--- a/data/2018-19/prg1/cv1/prg1_cv1.pptx
+++ b/data/2018-19/prg1/cv1/prg1_cv1.pptx
@@ -113,6 +113,11 @@
       </a:defRPr>
     </a:lvl9pPr>
   </p:defaultTextStyle>
+  <p:extLst>
+    <p:ext uri="{EFAFB233-063F-42B5-8137-9DF3F51BA10A}">
+      <p15:sldGuideLst xmlns:p15="http://schemas.microsoft.com/office/powerpoint/2012/main"/>
+    </p:ext>
+  </p:extLst>
 </p:presentation>
 </file>
 
@@ -305,7 +310,7 @@
             <a:fld id="{B61BEF0D-F0BB-DE4B-95CE-6DB70DBA9567}" type="datetimeFigureOut">
               <a:rPr lang="en-US" dirty="0"/>
               <a:pPr/>
-              <a:t>10/5/2018</a:t>
+              <a:t>12/21/2018</a:t>
             </a:fld>
             <a:endParaRPr lang="en-US" dirty="0"/>
           </a:p>
@@ -640,7 +645,7 @@
             <a:fld id="{B61BEF0D-F0BB-DE4B-95CE-6DB70DBA9567}" type="datetimeFigureOut">
               <a:rPr lang="en-US" dirty="0"/>
               <a:pPr/>
-              <a:t>10/5/2018</a:t>
+              <a:t>12/21/2018</a:t>
             </a:fld>
             <a:endParaRPr lang="en-US" dirty="0"/>
           </a:p>
@@ -1038,7 +1043,7 @@
             <a:fld id="{B61BEF0D-F0BB-DE4B-95CE-6DB70DBA9567}" type="datetimeFigureOut">
               <a:rPr lang="en-US" dirty="0"/>
               <a:pPr/>
-              <a:t>10/5/2018</a:t>
+              <a:t>12/21/2018</a:t>
             </a:fld>
             <a:endParaRPr lang="en-US" dirty="0"/>
           </a:p>
@@ -1371,7 +1376,7 @@
             <a:fld id="{B61BEF0D-F0BB-DE4B-95CE-6DB70DBA9567}" type="datetimeFigureOut">
               <a:rPr lang="en-US" dirty="0"/>
               <a:pPr/>
-              <a:t>10/5/2018</a:t>
+              <a:t>12/21/2018</a:t>
             </a:fld>
             <a:endParaRPr lang="en-US" dirty="0"/>
           </a:p>
@@ -1688,7 +1693,7 @@
             <a:fld id="{B61BEF0D-F0BB-DE4B-95CE-6DB70DBA9567}" type="datetimeFigureOut">
               <a:rPr lang="en-US" dirty="0"/>
               <a:pPr/>
-              <a:t>10/5/2018</a:t>
+              <a:t>12/21/2018</a:t>
             </a:fld>
             <a:endParaRPr lang="en-US" dirty="0"/>
           </a:p>
@@ -2081,7 +2086,7 @@
             <a:fld id="{B61BEF0D-F0BB-DE4B-95CE-6DB70DBA9567}" type="datetimeFigureOut">
               <a:rPr lang="en-US" dirty="0"/>
               <a:pPr/>
-              <a:t>10/5/2018</a:t>
+              <a:t>12/21/2018</a:t>
             </a:fld>
             <a:endParaRPr lang="en-US" dirty="0"/>
           </a:p>
@@ -2335,7 +2340,7 @@
             <a:fld id="{B61BEF0D-F0BB-DE4B-95CE-6DB70DBA9567}" type="datetimeFigureOut">
               <a:rPr lang="en-US" dirty="0"/>
               <a:pPr/>
-              <a:t>10/5/2018</a:t>
+              <a:t>12/21/2018</a:t>
             </a:fld>
             <a:endParaRPr lang="en-US" dirty="0"/>
           </a:p>
@@ -2594,7 +2599,7 @@
             <a:fld id="{B61BEF0D-F0BB-DE4B-95CE-6DB70DBA9567}" type="datetimeFigureOut">
               <a:rPr lang="en-US" dirty="0"/>
               <a:pPr/>
-              <a:t>10/5/2018</a:t>
+              <a:t>12/21/2018</a:t>
             </a:fld>
             <a:endParaRPr lang="en-US" dirty="0"/>
           </a:p>
@@ -2853,7 +2858,7 @@
             <a:fld id="{B61BEF0D-F0BB-DE4B-95CE-6DB70DBA9567}" type="datetimeFigureOut">
               <a:rPr lang="en-US" dirty="0"/>
               <a:pPr/>
-              <a:t>10/5/2018</a:t>
+              <a:t>12/21/2018</a:t>
             </a:fld>
             <a:endParaRPr lang="en-US" dirty="0"/>
           </a:p>
@@ -3179,7 +3184,7 @@
             <a:fld id="{B61BEF0D-F0BB-DE4B-95CE-6DB70DBA9567}" type="datetimeFigureOut">
               <a:rPr lang="en-US" dirty="0"/>
               <a:pPr/>
-              <a:t>10/5/2018</a:t>
+              <a:t>12/21/2018</a:t>
             </a:fld>
             <a:endParaRPr lang="en-US" dirty="0"/>
           </a:p>
@@ -3499,7 +3504,7 @@
             <a:fld id="{B61BEF0D-F0BB-DE4B-95CE-6DB70DBA9567}" type="datetimeFigureOut">
               <a:rPr lang="en-US" dirty="0"/>
               <a:pPr/>
-              <a:t>10/5/2018</a:t>
+              <a:t>12/21/2018</a:t>
             </a:fld>
             <a:endParaRPr lang="en-US" dirty="0"/>
           </a:p>
@@ -3953,7 +3958,7 @@
             <a:fld id="{B61BEF0D-F0BB-DE4B-95CE-6DB70DBA9567}" type="datetimeFigureOut">
               <a:rPr lang="en-US" dirty="0"/>
               <a:pPr/>
-              <a:t>10/5/2018</a:t>
+              <a:t>12/21/2018</a:t>
             </a:fld>
             <a:endParaRPr lang="en-US" dirty="0"/>
           </a:p>
@@ -4155,7 +4160,7 @@
             <a:fld id="{B61BEF0D-F0BB-DE4B-95CE-6DB70DBA9567}" type="datetimeFigureOut">
               <a:rPr lang="en-US" dirty="0"/>
               <a:pPr/>
-              <a:t>10/5/2018</a:t>
+              <a:t>12/21/2018</a:t>
             </a:fld>
             <a:endParaRPr lang="en-US" dirty="0"/>
           </a:p>
@@ -4329,7 +4334,7 @@
             <a:fld id="{B61BEF0D-F0BB-DE4B-95CE-6DB70DBA9567}" type="datetimeFigureOut">
               <a:rPr lang="en-US" dirty="0"/>
               <a:pPr/>
-              <a:t>10/5/2018</a:t>
+              <a:t>12/21/2018</a:t>
             </a:fld>
             <a:endParaRPr lang="en-US" dirty="0"/>
           </a:p>
@@ -4659,7 +4664,7 @@
             <a:fld id="{B61BEF0D-F0BB-DE4B-95CE-6DB70DBA9567}" type="datetimeFigureOut">
               <a:rPr lang="en-US" dirty="0"/>
               <a:pPr/>
-              <a:t>10/5/2018</a:t>
+              <a:t>12/21/2018</a:t>
             </a:fld>
             <a:endParaRPr lang="en-US" dirty="0"/>
           </a:p>
@@ -5001,7 +5006,7 @@
             <a:fld id="{B61BEF0D-F0BB-DE4B-95CE-6DB70DBA9567}" type="datetimeFigureOut">
               <a:rPr lang="en-US" dirty="0"/>
               <a:pPr/>
-              <a:t>10/5/2018</a:t>
+              <a:t>12/21/2018</a:t>
             </a:fld>
             <a:endParaRPr lang="en-US" dirty="0"/>
           </a:p>
@@ -7115,7 +7120,7 @@
             <a:fld id="{B61BEF0D-F0BB-DE4B-95CE-6DB70DBA9567}" type="datetimeFigureOut">
               <a:rPr lang="en-US" dirty="0"/>
               <a:pPr/>
-              <a:t>10/5/2018</a:t>
+              <a:t>12/21/2018</a:t>
             </a:fld>
             <a:endParaRPr lang="en-US" dirty="0"/>
           </a:p>
@@ -8010,7 +8015,19 @@
             <a:pPr lvl="1"/>
             <a:r>
               <a:rPr lang="cs-CZ" dirty="0" smtClean="0"/>
-              <a:t>Téma do 16.12.</a:t>
+              <a:t>Téma do </a:t>
+            </a:r>
+            <a:r>
+              <a:rPr lang="en-US" smtClean="0"/>
+              <a:t>31</a:t>
+            </a:r>
+            <a:r>
+              <a:rPr lang="cs-CZ" smtClean="0"/>
+              <a:t>.12</a:t>
+            </a:r>
+            <a:r>
+              <a:rPr lang="cs-CZ" dirty="0" smtClean="0"/>
+              <a:t>.</a:t>
             </a:r>
           </a:p>
           <a:p>
